--- a/assets/img/research/researchslides-wide.pptx
+++ b/assets/img/research/researchslides-wide.pptx
@@ -15103,6 +15103,51 @@
                       </p:childTnLst>
                     </p:cTn>
                   </p:par>
+                  <p:par>
+                    <p:cTn id="123" fill="hold">
+                      <p:stCondLst>
+                        <p:cond delay="indefinite"/>
+                      </p:stCondLst>
+                      <p:childTnLst>
+                        <p:par>
+                          <p:cTn id="124" fill="hold">
+                            <p:stCondLst>
+                              <p:cond delay="0"/>
+                            </p:stCondLst>
+                            <p:childTnLst>
+                              <p:par>
+                                <p:cTn id="125" presetID="1" presetClass="entr" presetSubtype="0" fill="hold" grpId="0" nodeType="clickEffect">
+                                  <p:stCondLst>
+                                    <p:cond delay="10000"/>
+                                  </p:stCondLst>
+                                  <p:childTnLst>
+                                    <p:set>
+                                      <p:cBhvr>
+                                        <p:cTn id="126" dur="1" fill="hold">
+                                          <p:stCondLst>
+                                            <p:cond delay="0"/>
+                                          </p:stCondLst>
+                                        </p:cTn>
+                                        <p:tgtEl>
+                                          <p:spTgt spid="76"/>
+                                        </p:tgtEl>
+                                        <p:attrNameLst>
+                                          <p:attrName>style.visibility</p:attrName>
+                                        </p:attrNameLst>
+                                      </p:cBhvr>
+                                      <p:to>
+                                        <p:strVal val="visible"/>
+                                      </p:to>
+                                    </p:set>
+                                  </p:childTnLst>
+                                </p:cTn>
+                              </p:par>
+                            </p:childTnLst>
+                          </p:cTn>
+                        </p:par>
+                      </p:childTnLst>
+                    </p:cTn>
+                  </p:par>
                 </p:childTnLst>
               </p:cTn>
               <p:prevCondLst>
@@ -15125,6 +15170,7 @@
       </p:par>
     </p:tnLst>
     <p:bldLst>
+      <p:bldP spid="76" grpId="0" animBg="1"/>
       <p:bldP spid="7" grpId="0"/>
       <p:bldP spid="86" grpId="0"/>
       <p:bldP spid="89" grpId="0"/>

--- a/assets/img/research/researchslides-wide.pptx
+++ b/assets/img/research/researchslides-wide.pptx
@@ -6753,7 +6753,7 @@
                 <a:ea typeface="Tahoma" panose="020B0604030504040204" pitchFamily="34" charset="0"/>
                 <a:cs typeface="Tahoma" panose="020B0604030504040204" pitchFamily="34" charset="0"/>
               </a:rPr>
-              <a:t>But this how we do it instead! </a:t>
+              <a:t>But this is how we do it instead! </a:t>
             </a:r>
             <a:endParaRPr lang="en-US" sz="2000" dirty="0">
               <a:solidFill>
